--- a/ppt 16-9/1273.主找迷羊.pptx
+++ b/ppt 16-9/1273.主找迷羊.pptx
@@ -129,7 +129,7 @@
           <p:cNvPr id="2" name="标题 1">
             <a:extLst>
               <a:ext uri="{FF2B5EF4-FFF2-40B4-BE49-F238E27FC236}">
-                <a16:creationId xmlns:a16="http://schemas.microsoft.com/office/drawing/2014/main" id="{A2BE5D70-5504-DE38-48C2-E0AFA4BE4990}"/>
+                <a16:creationId xmlns:a16="http://schemas.microsoft.com/office/drawing/2014/main" id="{AB677B6A-B951-C871-361B-168B4BCAA4DE}"/>
               </a:ext>
             </a:extLst>
           </p:cNvPr>
@@ -166,7 +166,7 @@
           <p:cNvPr id="3" name="副标题 2">
             <a:extLst>
               <a:ext uri="{FF2B5EF4-FFF2-40B4-BE49-F238E27FC236}">
-                <a16:creationId xmlns:a16="http://schemas.microsoft.com/office/drawing/2014/main" id="{64017C5C-8A3C-4594-D174-546711D63C3D}"/>
+                <a16:creationId xmlns:a16="http://schemas.microsoft.com/office/drawing/2014/main" id="{6CDC8ACF-A02A-9B2C-5449-E4EBBFA7BC32}"/>
               </a:ext>
             </a:extLst>
           </p:cNvPr>
@@ -236,7 +236,7 @@
           <p:cNvPr id="4" name="日期占位符 3">
             <a:extLst>
               <a:ext uri="{FF2B5EF4-FFF2-40B4-BE49-F238E27FC236}">
-                <a16:creationId xmlns:a16="http://schemas.microsoft.com/office/drawing/2014/main" id="{28FE4288-6B64-4D60-5ADF-8E4FF7F7B44F}"/>
+                <a16:creationId xmlns:a16="http://schemas.microsoft.com/office/drawing/2014/main" id="{48C1738C-943A-36A9-25C9-A6482C53A6CC}"/>
               </a:ext>
             </a:extLst>
           </p:cNvPr>
@@ -252,7 +252,7 @@
           <a:bodyPr/>
           <a:lstStyle/>
           <a:p>
-            <a:fld id="{24F814A2-D5C7-4872-AF8C-1DDCBB4536B8}" type="datetimeFigureOut">
+            <a:fld id="{0A5CD06B-FA65-474F-91CF-002156E3A0D9}" type="datetimeFigureOut">
               <a:rPr lang="zh-CN" altLang="en-US" smtClean="0"/>
               <a:t>2024/3/10</a:t>
             </a:fld>
@@ -265,7 +265,7 @@
           <p:cNvPr id="5" name="页脚占位符 4">
             <a:extLst>
               <a:ext uri="{FF2B5EF4-FFF2-40B4-BE49-F238E27FC236}">
-                <a16:creationId xmlns:a16="http://schemas.microsoft.com/office/drawing/2014/main" id="{F300C9BC-524D-3DED-2F64-7A05589E8011}"/>
+                <a16:creationId xmlns:a16="http://schemas.microsoft.com/office/drawing/2014/main" id="{EB4F7F90-96AE-B408-876F-328084C6E1C8}"/>
               </a:ext>
             </a:extLst>
           </p:cNvPr>
@@ -290,7 +290,7 @@
           <p:cNvPr id="6" name="灯片编号占位符 5">
             <a:extLst>
               <a:ext uri="{FF2B5EF4-FFF2-40B4-BE49-F238E27FC236}">
-                <a16:creationId xmlns:a16="http://schemas.microsoft.com/office/drawing/2014/main" id="{0F6F90BA-E098-FFF4-8CEC-DFF5A232DD7E}"/>
+                <a16:creationId xmlns:a16="http://schemas.microsoft.com/office/drawing/2014/main" id="{29F6E2EC-9D8D-7EC9-F9CE-423468286824}"/>
               </a:ext>
             </a:extLst>
           </p:cNvPr>
@@ -306,7 +306,7 @@
           <a:bodyPr/>
           <a:lstStyle/>
           <a:p>
-            <a:fld id="{2045E834-0E7D-4B88-85E7-74D839DC8D8C}" type="slidenum">
+            <a:fld id="{ED93E1AE-A6B1-4983-9C63-58BE1EC19D63}" type="slidenum">
               <a:rPr lang="zh-CN" altLang="en-US" smtClean="0"/>
               <a:t>‹#›</a:t>
             </a:fld>
@@ -317,7 +317,7 @@
     </p:spTree>
     <p:extLst>
       <p:ext uri="{BB962C8B-B14F-4D97-AF65-F5344CB8AC3E}">
-        <p14:creationId xmlns:p14="http://schemas.microsoft.com/office/powerpoint/2010/main" val="1886469582"/>
+        <p14:creationId xmlns:p14="http://schemas.microsoft.com/office/powerpoint/2010/main" val="2104375637"/>
       </p:ext>
     </p:extLst>
   </p:cSld>
@@ -349,7 +349,7 @@
           <p:cNvPr id="2" name="标题 1">
             <a:extLst>
               <a:ext uri="{FF2B5EF4-FFF2-40B4-BE49-F238E27FC236}">
-                <a16:creationId xmlns:a16="http://schemas.microsoft.com/office/drawing/2014/main" id="{D7444076-C7AB-710B-23DB-9A8A827C9CE0}"/>
+                <a16:creationId xmlns:a16="http://schemas.microsoft.com/office/drawing/2014/main" id="{0769FBBD-005E-9D84-3010-C50FF2C0D570}"/>
               </a:ext>
             </a:extLst>
           </p:cNvPr>
@@ -377,7 +377,7 @@
           <p:cNvPr id="3" name="竖排文字占位符 2">
             <a:extLst>
               <a:ext uri="{FF2B5EF4-FFF2-40B4-BE49-F238E27FC236}">
-                <a16:creationId xmlns:a16="http://schemas.microsoft.com/office/drawing/2014/main" id="{FA2380D0-C581-5011-0F50-B286F4CB81AA}"/>
+                <a16:creationId xmlns:a16="http://schemas.microsoft.com/office/drawing/2014/main" id="{BFA1D02A-BFBE-364F-343F-8389BBC858E2}"/>
               </a:ext>
             </a:extLst>
           </p:cNvPr>
@@ -434,7 +434,7 @@
           <p:cNvPr id="4" name="日期占位符 3">
             <a:extLst>
               <a:ext uri="{FF2B5EF4-FFF2-40B4-BE49-F238E27FC236}">
-                <a16:creationId xmlns:a16="http://schemas.microsoft.com/office/drawing/2014/main" id="{1747FCFF-3ECE-A340-1393-6E9F842BFD27}"/>
+                <a16:creationId xmlns:a16="http://schemas.microsoft.com/office/drawing/2014/main" id="{61A1560E-E165-EB39-6342-1091C99C8CA1}"/>
               </a:ext>
             </a:extLst>
           </p:cNvPr>
@@ -450,7 +450,7 @@
           <a:bodyPr/>
           <a:lstStyle/>
           <a:p>
-            <a:fld id="{24F814A2-D5C7-4872-AF8C-1DDCBB4536B8}" type="datetimeFigureOut">
+            <a:fld id="{0A5CD06B-FA65-474F-91CF-002156E3A0D9}" type="datetimeFigureOut">
               <a:rPr lang="zh-CN" altLang="en-US" smtClean="0"/>
               <a:t>2024/3/10</a:t>
             </a:fld>
@@ -463,7 +463,7 @@
           <p:cNvPr id="5" name="页脚占位符 4">
             <a:extLst>
               <a:ext uri="{FF2B5EF4-FFF2-40B4-BE49-F238E27FC236}">
-                <a16:creationId xmlns:a16="http://schemas.microsoft.com/office/drawing/2014/main" id="{9038BCFF-EA45-8CBB-34A1-25CFC9A9F368}"/>
+                <a16:creationId xmlns:a16="http://schemas.microsoft.com/office/drawing/2014/main" id="{225C9F1E-3B60-CCCF-6B7A-865F3DE74F9E}"/>
               </a:ext>
             </a:extLst>
           </p:cNvPr>
@@ -488,7 +488,7 @@
           <p:cNvPr id="6" name="灯片编号占位符 5">
             <a:extLst>
               <a:ext uri="{FF2B5EF4-FFF2-40B4-BE49-F238E27FC236}">
-                <a16:creationId xmlns:a16="http://schemas.microsoft.com/office/drawing/2014/main" id="{D8B3E1C1-BBF5-10B3-FCDF-406741EE5D2E}"/>
+                <a16:creationId xmlns:a16="http://schemas.microsoft.com/office/drawing/2014/main" id="{943C2667-0FA6-2B85-3189-9EC41621442D}"/>
               </a:ext>
             </a:extLst>
           </p:cNvPr>
@@ -504,7 +504,7 @@
           <a:bodyPr/>
           <a:lstStyle/>
           <a:p>
-            <a:fld id="{2045E834-0E7D-4B88-85E7-74D839DC8D8C}" type="slidenum">
+            <a:fld id="{ED93E1AE-A6B1-4983-9C63-58BE1EC19D63}" type="slidenum">
               <a:rPr lang="zh-CN" altLang="en-US" smtClean="0"/>
               <a:t>‹#›</a:t>
             </a:fld>
@@ -515,7 +515,7 @@
     </p:spTree>
     <p:extLst>
       <p:ext uri="{BB962C8B-B14F-4D97-AF65-F5344CB8AC3E}">
-        <p14:creationId xmlns:p14="http://schemas.microsoft.com/office/powerpoint/2010/main" val="2534548936"/>
+        <p14:creationId xmlns:p14="http://schemas.microsoft.com/office/powerpoint/2010/main" val="3115154011"/>
       </p:ext>
     </p:extLst>
   </p:cSld>
@@ -547,7 +547,7 @@
           <p:cNvPr id="2" name="竖排标题 1">
             <a:extLst>
               <a:ext uri="{FF2B5EF4-FFF2-40B4-BE49-F238E27FC236}">
-                <a16:creationId xmlns:a16="http://schemas.microsoft.com/office/drawing/2014/main" id="{8651DDC5-7742-92C3-18AC-FA7025F7A3AC}"/>
+                <a16:creationId xmlns:a16="http://schemas.microsoft.com/office/drawing/2014/main" id="{6561E588-D42D-91B0-EA9E-F7F9F498DFB8}"/>
               </a:ext>
             </a:extLst>
           </p:cNvPr>
@@ -580,7 +580,7 @@
           <p:cNvPr id="3" name="竖排文字占位符 2">
             <a:extLst>
               <a:ext uri="{FF2B5EF4-FFF2-40B4-BE49-F238E27FC236}">
-                <a16:creationId xmlns:a16="http://schemas.microsoft.com/office/drawing/2014/main" id="{B618CE83-3C38-BAC8-1710-759BCA397699}"/>
+                <a16:creationId xmlns:a16="http://schemas.microsoft.com/office/drawing/2014/main" id="{1E78C7A1-2437-E8E9-55F0-B5801CE828F6}"/>
               </a:ext>
             </a:extLst>
           </p:cNvPr>
@@ -642,7 +642,7 @@
           <p:cNvPr id="4" name="日期占位符 3">
             <a:extLst>
               <a:ext uri="{FF2B5EF4-FFF2-40B4-BE49-F238E27FC236}">
-                <a16:creationId xmlns:a16="http://schemas.microsoft.com/office/drawing/2014/main" id="{BC91A86B-AF0E-4117-0F7B-B91B1E2C0D80}"/>
+                <a16:creationId xmlns:a16="http://schemas.microsoft.com/office/drawing/2014/main" id="{947B4B0D-FA39-189A-03E4-0B7C7E713C3E}"/>
               </a:ext>
             </a:extLst>
           </p:cNvPr>
@@ -658,7 +658,7 @@
           <a:bodyPr/>
           <a:lstStyle/>
           <a:p>
-            <a:fld id="{24F814A2-D5C7-4872-AF8C-1DDCBB4536B8}" type="datetimeFigureOut">
+            <a:fld id="{0A5CD06B-FA65-474F-91CF-002156E3A0D9}" type="datetimeFigureOut">
               <a:rPr lang="zh-CN" altLang="en-US" smtClean="0"/>
               <a:t>2024/3/10</a:t>
             </a:fld>
@@ -671,7 +671,7 @@
           <p:cNvPr id="5" name="页脚占位符 4">
             <a:extLst>
               <a:ext uri="{FF2B5EF4-FFF2-40B4-BE49-F238E27FC236}">
-                <a16:creationId xmlns:a16="http://schemas.microsoft.com/office/drawing/2014/main" id="{E4F2029C-F09A-9A31-5A42-0CA00A7A2847}"/>
+                <a16:creationId xmlns:a16="http://schemas.microsoft.com/office/drawing/2014/main" id="{7A2F854E-7B48-8E13-AB6E-253CFC25033A}"/>
               </a:ext>
             </a:extLst>
           </p:cNvPr>
@@ -696,7 +696,7 @@
           <p:cNvPr id="6" name="灯片编号占位符 5">
             <a:extLst>
               <a:ext uri="{FF2B5EF4-FFF2-40B4-BE49-F238E27FC236}">
-                <a16:creationId xmlns:a16="http://schemas.microsoft.com/office/drawing/2014/main" id="{539AFA07-6FF8-31B5-4E48-36F5140E8CC4}"/>
+                <a16:creationId xmlns:a16="http://schemas.microsoft.com/office/drawing/2014/main" id="{8A826BCB-281D-999A-557E-6E64CAC3F49F}"/>
               </a:ext>
             </a:extLst>
           </p:cNvPr>
@@ -712,7 +712,7 @@
           <a:bodyPr/>
           <a:lstStyle/>
           <a:p>
-            <a:fld id="{2045E834-0E7D-4B88-85E7-74D839DC8D8C}" type="slidenum">
+            <a:fld id="{ED93E1AE-A6B1-4983-9C63-58BE1EC19D63}" type="slidenum">
               <a:rPr lang="zh-CN" altLang="en-US" smtClean="0"/>
               <a:t>‹#›</a:t>
             </a:fld>
@@ -723,7 +723,7 @@
     </p:spTree>
     <p:extLst>
       <p:ext uri="{BB962C8B-B14F-4D97-AF65-F5344CB8AC3E}">
-        <p14:creationId xmlns:p14="http://schemas.microsoft.com/office/powerpoint/2010/main" val="3904685048"/>
+        <p14:creationId xmlns:p14="http://schemas.microsoft.com/office/powerpoint/2010/main" val="153225166"/>
       </p:ext>
     </p:extLst>
   </p:cSld>
@@ -755,7 +755,7 @@
           <p:cNvPr id="2" name="标题 1">
             <a:extLst>
               <a:ext uri="{FF2B5EF4-FFF2-40B4-BE49-F238E27FC236}">
-                <a16:creationId xmlns:a16="http://schemas.microsoft.com/office/drawing/2014/main" id="{4CFBB4FF-B8FE-7DCD-45D0-63CC02D1B9A0}"/>
+                <a16:creationId xmlns:a16="http://schemas.microsoft.com/office/drawing/2014/main" id="{B6CE2E16-198C-6B39-16B8-25CFE71AFC4B}"/>
               </a:ext>
             </a:extLst>
           </p:cNvPr>
@@ -783,7 +783,7 @@
           <p:cNvPr id="3" name="内容占位符 2">
             <a:extLst>
               <a:ext uri="{FF2B5EF4-FFF2-40B4-BE49-F238E27FC236}">
-                <a16:creationId xmlns:a16="http://schemas.microsoft.com/office/drawing/2014/main" id="{89EB525D-A685-B4FE-A524-5EB653B335CD}"/>
+                <a16:creationId xmlns:a16="http://schemas.microsoft.com/office/drawing/2014/main" id="{84723B54-AC52-F9F4-4F0E-81262A6FF30A}"/>
               </a:ext>
             </a:extLst>
           </p:cNvPr>
@@ -840,7 +840,7 @@
           <p:cNvPr id="4" name="日期占位符 3">
             <a:extLst>
               <a:ext uri="{FF2B5EF4-FFF2-40B4-BE49-F238E27FC236}">
-                <a16:creationId xmlns:a16="http://schemas.microsoft.com/office/drawing/2014/main" id="{DDF54CFF-AFD5-5E5D-943D-A289A5ECE53E}"/>
+                <a16:creationId xmlns:a16="http://schemas.microsoft.com/office/drawing/2014/main" id="{8C5FC241-AD46-7D03-EF2F-1D2620EBCAA9}"/>
               </a:ext>
             </a:extLst>
           </p:cNvPr>
@@ -856,7 +856,7 @@
           <a:bodyPr/>
           <a:lstStyle/>
           <a:p>
-            <a:fld id="{24F814A2-D5C7-4872-AF8C-1DDCBB4536B8}" type="datetimeFigureOut">
+            <a:fld id="{0A5CD06B-FA65-474F-91CF-002156E3A0D9}" type="datetimeFigureOut">
               <a:rPr lang="zh-CN" altLang="en-US" smtClean="0"/>
               <a:t>2024/3/10</a:t>
             </a:fld>
@@ -869,7 +869,7 @@
           <p:cNvPr id="5" name="页脚占位符 4">
             <a:extLst>
               <a:ext uri="{FF2B5EF4-FFF2-40B4-BE49-F238E27FC236}">
-                <a16:creationId xmlns:a16="http://schemas.microsoft.com/office/drawing/2014/main" id="{6261D447-AF06-DFC3-2348-2836D75B5A1A}"/>
+                <a16:creationId xmlns:a16="http://schemas.microsoft.com/office/drawing/2014/main" id="{FB28E3D4-72D8-8BB8-4920-D87C8471E6F9}"/>
               </a:ext>
             </a:extLst>
           </p:cNvPr>
@@ -894,7 +894,7 @@
           <p:cNvPr id="6" name="灯片编号占位符 5">
             <a:extLst>
               <a:ext uri="{FF2B5EF4-FFF2-40B4-BE49-F238E27FC236}">
-                <a16:creationId xmlns:a16="http://schemas.microsoft.com/office/drawing/2014/main" id="{CB9D8455-A219-F13E-4C74-8941BA3837D5}"/>
+                <a16:creationId xmlns:a16="http://schemas.microsoft.com/office/drawing/2014/main" id="{2FCAAC32-9275-99BD-F10E-E5435DF29D2A}"/>
               </a:ext>
             </a:extLst>
           </p:cNvPr>
@@ -910,7 +910,7 @@
           <a:bodyPr/>
           <a:lstStyle/>
           <a:p>
-            <a:fld id="{2045E834-0E7D-4B88-85E7-74D839DC8D8C}" type="slidenum">
+            <a:fld id="{ED93E1AE-A6B1-4983-9C63-58BE1EC19D63}" type="slidenum">
               <a:rPr lang="zh-CN" altLang="en-US" smtClean="0"/>
               <a:t>‹#›</a:t>
             </a:fld>
@@ -921,7 +921,7 @@
     </p:spTree>
     <p:extLst>
       <p:ext uri="{BB962C8B-B14F-4D97-AF65-F5344CB8AC3E}">
-        <p14:creationId xmlns:p14="http://schemas.microsoft.com/office/powerpoint/2010/main" val="2001134703"/>
+        <p14:creationId xmlns:p14="http://schemas.microsoft.com/office/powerpoint/2010/main" val="585670326"/>
       </p:ext>
     </p:extLst>
   </p:cSld>
@@ -953,7 +953,7 @@
           <p:cNvPr id="2" name="标题 1">
             <a:extLst>
               <a:ext uri="{FF2B5EF4-FFF2-40B4-BE49-F238E27FC236}">
-                <a16:creationId xmlns:a16="http://schemas.microsoft.com/office/drawing/2014/main" id="{8FEF9816-6BDE-54EC-776B-370C797823A5}"/>
+                <a16:creationId xmlns:a16="http://schemas.microsoft.com/office/drawing/2014/main" id="{7B8BBA63-A05C-B799-994E-A63D5CA45C7D}"/>
               </a:ext>
             </a:extLst>
           </p:cNvPr>
@@ -990,7 +990,7 @@
           <p:cNvPr id="3" name="文本占位符 2">
             <a:extLst>
               <a:ext uri="{FF2B5EF4-FFF2-40B4-BE49-F238E27FC236}">
-                <a16:creationId xmlns:a16="http://schemas.microsoft.com/office/drawing/2014/main" id="{D7357D01-1902-6E07-57E5-167D81E32EEE}"/>
+                <a16:creationId xmlns:a16="http://schemas.microsoft.com/office/drawing/2014/main" id="{8E1B9980-D5CA-0BD0-78DA-E42D9A2E4D6A}"/>
               </a:ext>
             </a:extLst>
           </p:cNvPr>
@@ -1115,7 +1115,7 @@
           <p:cNvPr id="4" name="日期占位符 3">
             <a:extLst>
               <a:ext uri="{FF2B5EF4-FFF2-40B4-BE49-F238E27FC236}">
-                <a16:creationId xmlns:a16="http://schemas.microsoft.com/office/drawing/2014/main" id="{3745F260-0B6D-5069-A160-616FAFA34083}"/>
+                <a16:creationId xmlns:a16="http://schemas.microsoft.com/office/drawing/2014/main" id="{28AC6B18-8441-EFA4-67AE-97886CB6ADC8}"/>
               </a:ext>
             </a:extLst>
           </p:cNvPr>
@@ -1131,7 +1131,7 @@
           <a:bodyPr/>
           <a:lstStyle/>
           <a:p>
-            <a:fld id="{24F814A2-D5C7-4872-AF8C-1DDCBB4536B8}" type="datetimeFigureOut">
+            <a:fld id="{0A5CD06B-FA65-474F-91CF-002156E3A0D9}" type="datetimeFigureOut">
               <a:rPr lang="zh-CN" altLang="en-US" smtClean="0"/>
               <a:t>2024/3/10</a:t>
             </a:fld>
@@ -1144,7 +1144,7 @@
           <p:cNvPr id="5" name="页脚占位符 4">
             <a:extLst>
               <a:ext uri="{FF2B5EF4-FFF2-40B4-BE49-F238E27FC236}">
-                <a16:creationId xmlns:a16="http://schemas.microsoft.com/office/drawing/2014/main" id="{B23EE206-99CD-F629-C049-A51F132D85B1}"/>
+                <a16:creationId xmlns:a16="http://schemas.microsoft.com/office/drawing/2014/main" id="{6230B94C-6A6D-565F-992A-815723FFBE3B}"/>
               </a:ext>
             </a:extLst>
           </p:cNvPr>
@@ -1169,7 +1169,7 @@
           <p:cNvPr id="6" name="灯片编号占位符 5">
             <a:extLst>
               <a:ext uri="{FF2B5EF4-FFF2-40B4-BE49-F238E27FC236}">
-                <a16:creationId xmlns:a16="http://schemas.microsoft.com/office/drawing/2014/main" id="{648E3527-6E74-93EE-5639-40DB479AFFEB}"/>
+                <a16:creationId xmlns:a16="http://schemas.microsoft.com/office/drawing/2014/main" id="{B7E360C3-B8F0-D8EA-E972-911837403ECE}"/>
               </a:ext>
             </a:extLst>
           </p:cNvPr>
@@ -1185,7 +1185,7 @@
           <a:bodyPr/>
           <a:lstStyle/>
           <a:p>
-            <a:fld id="{2045E834-0E7D-4B88-85E7-74D839DC8D8C}" type="slidenum">
+            <a:fld id="{ED93E1AE-A6B1-4983-9C63-58BE1EC19D63}" type="slidenum">
               <a:rPr lang="zh-CN" altLang="en-US" smtClean="0"/>
               <a:t>‹#›</a:t>
             </a:fld>
@@ -1196,7 +1196,7 @@
     </p:spTree>
     <p:extLst>
       <p:ext uri="{BB962C8B-B14F-4D97-AF65-F5344CB8AC3E}">
-        <p14:creationId xmlns:p14="http://schemas.microsoft.com/office/powerpoint/2010/main" val="202019527"/>
+        <p14:creationId xmlns:p14="http://schemas.microsoft.com/office/powerpoint/2010/main" val="686082037"/>
       </p:ext>
     </p:extLst>
   </p:cSld>
@@ -1228,7 +1228,7 @@
           <p:cNvPr id="2" name="标题 1">
             <a:extLst>
               <a:ext uri="{FF2B5EF4-FFF2-40B4-BE49-F238E27FC236}">
-                <a16:creationId xmlns:a16="http://schemas.microsoft.com/office/drawing/2014/main" id="{AD585905-B748-7148-9AE7-9FA247CB4E60}"/>
+                <a16:creationId xmlns:a16="http://schemas.microsoft.com/office/drawing/2014/main" id="{C35F0323-8DCE-A5EC-3690-31D62F4DE191}"/>
               </a:ext>
             </a:extLst>
           </p:cNvPr>
@@ -1256,7 +1256,7 @@
           <p:cNvPr id="3" name="内容占位符 2">
             <a:extLst>
               <a:ext uri="{FF2B5EF4-FFF2-40B4-BE49-F238E27FC236}">
-                <a16:creationId xmlns:a16="http://schemas.microsoft.com/office/drawing/2014/main" id="{810584E5-7239-FEBE-6F84-23E6D344B823}"/>
+                <a16:creationId xmlns:a16="http://schemas.microsoft.com/office/drawing/2014/main" id="{EA26223A-E1C2-DA0C-CED1-65E11B46CA33}"/>
               </a:ext>
             </a:extLst>
           </p:cNvPr>
@@ -1318,7 +1318,7 @@
           <p:cNvPr id="4" name="内容占位符 3">
             <a:extLst>
               <a:ext uri="{FF2B5EF4-FFF2-40B4-BE49-F238E27FC236}">
-                <a16:creationId xmlns:a16="http://schemas.microsoft.com/office/drawing/2014/main" id="{096DB264-C221-C432-18C6-BC21D529C61E}"/>
+                <a16:creationId xmlns:a16="http://schemas.microsoft.com/office/drawing/2014/main" id="{E65A0E30-D3EE-9ABF-AE8F-4D63211068E3}"/>
               </a:ext>
             </a:extLst>
           </p:cNvPr>
@@ -1380,7 +1380,7 @@
           <p:cNvPr id="5" name="日期占位符 4">
             <a:extLst>
               <a:ext uri="{FF2B5EF4-FFF2-40B4-BE49-F238E27FC236}">
-                <a16:creationId xmlns:a16="http://schemas.microsoft.com/office/drawing/2014/main" id="{70505115-DF73-953B-FD8E-29DA8C344625}"/>
+                <a16:creationId xmlns:a16="http://schemas.microsoft.com/office/drawing/2014/main" id="{B5A980E9-56CE-BB06-D168-4CBF05DD5F3D}"/>
               </a:ext>
             </a:extLst>
           </p:cNvPr>
@@ -1396,7 +1396,7 @@
           <a:bodyPr/>
           <a:lstStyle/>
           <a:p>
-            <a:fld id="{24F814A2-D5C7-4872-AF8C-1DDCBB4536B8}" type="datetimeFigureOut">
+            <a:fld id="{0A5CD06B-FA65-474F-91CF-002156E3A0D9}" type="datetimeFigureOut">
               <a:rPr lang="zh-CN" altLang="en-US" smtClean="0"/>
               <a:t>2024/3/10</a:t>
             </a:fld>
@@ -1409,7 +1409,7 @@
           <p:cNvPr id="6" name="页脚占位符 5">
             <a:extLst>
               <a:ext uri="{FF2B5EF4-FFF2-40B4-BE49-F238E27FC236}">
-                <a16:creationId xmlns:a16="http://schemas.microsoft.com/office/drawing/2014/main" id="{81236A28-3841-48CB-E54B-E6DC8893D6C1}"/>
+                <a16:creationId xmlns:a16="http://schemas.microsoft.com/office/drawing/2014/main" id="{A5067DD9-3AF3-271B-D411-7081F85AF6CE}"/>
               </a:ext>
             </a:extLst>
           </p:cNvPr>
@@ -1434,7 +1434,7 @@
           <p:cNvPr id="7" name="灯片编号占位符 6">
             <a:extLst>
               <a:ext uri="{FF2B5EF4-FFF2-40B4-BE49-F238E27FC236}">
-                <a16:creationId xmlns:a16="http://schemas.microsoft.com/office/drawing/2014/main" id="{FA7617E0-9914-B21E-31ED-C475A24D6E91}"/>
+                <a16:creationId xmlns:a16="http://schemas.microsoft.com/office/drawing/2014/main" id="{582DA2E5-8C5D-34EA-F3BF-827FDC623A20}"/>
               </a:ext>
             </a:extLst>
           </p:cNvPr>
@@ -1450,7 +1450,7 @@
           <a:bodyPr/>
           <a:lstStyle/>
           <a:p>
-            <a:fld id="{2045E834-0E7D-4B88-85E7-74D839DC8D8C}" type="slidenum">
+            <a:fld id="{ED93E1AE-A6B1-4983-9C63-58BE1EC19D63}" type="slidenum">
               <a:rPr lang="zh-CN" altLang="en-US" smtClean="0"/>
               <a:t>‹#›</a:t>
             </a:fld>
@@ -1461,7 +1461,7 @@
     </p:spTree>
     <p:extLst>
       <p:ext uri="{BB962C8B-B14F-4D97-AF65-F5344CB8AC3E}">
-        <p14:creationId xmlns:p14="http://schemas.microsoft.com/office/powerpoint/2010/main" val="4276204076"/>
+        <p14:creationId xmlns:p14="http://schemas.microsoft.com/office/powerpoint/2010/main" val="255054360"/>
       </p:ext>
     </p:extLst>
   </p:cSld>
@@ -1493,7 +1493,7 @@
           <p:cNvPr id="2" name="标题 1">
             <a:extLst>
               <a:ext uri="{FF2B5EF4-FFF2-40B4-BE49-F238E27FC236}">
-                <a16:creationId xmlns:a16="http://schemas.microsoft.com/office/drawing/2014/main" id="{CF115DFA-C395-5A65-A7E1-BBB33C0B7EAE}"/>
+                <a16:creationId xmlns:a16="http://schemas.microsoft.com/office/drawing/2014/main" id="{05B9663E-D376-FAE9-70B2-05545E0CB004}"/>
               </a:ext>
             </a:extLst>
           </p:cNvPr>
@@ -1526,7 +1526,7 @@
           <p:cNvPr id="3" name="文本占位符 2">
             <a:extLst>
               <a:ext uri="{FF2B5EF4-FFF2-40B4-BE49-F238E27FC236}">
-                <a16:creationId xmlns:a16="http://schemas.microsoft.com/office/drawing/2014/main" id="{110BE6EA-F08E-FA57-983D-1ED23FF270EE}"/>
+                <a16:creationId xmlns:a16="http://schemas.microsoft.com/office/drawing/2014/main" id="{62A4B7E5-71CD-B689-EB2E-DBA4733499FE}"/>
               </a:ext>
             </a:extLst>
           </p:cNvPr>
@@ -1597,7 +1597,7 @@
           <p:cNvPr id="4" name="内容占位符 3">
             <a:extLst>
               <a:ext uri="{FF2B5EF4-FFF2-40B4-BE49-F238E27FC236}">
-                <a16:creationId xmlns:a16="http://schemas.microsoft.com/office/drawing/2014/main" id="{307E0B3F-5334-46F6-BC22-62CD934B00BA}"/>
+                <a16:creationId xmlns:a16="http://schemas.microsoft.com/office/drawing/2014/main" id="{AC2682A3-84BB-6E97-C9C7-23DA236CF029}"/>
               </a:ext>
             </a:extLst>
           </p:cNvPr>
@@ -1659,7 +1659,7 @@
           <p:cNvPr id="5" name="文本占位符 4">
             <a:extLst>
               <a:ext uri="{FF2B5EF4-FFF2-40B4-BE49-F238E27FC236}">
-                <a16:creationId xmlns:a16="http://schemas.microsoft.com/office/drawing/2014/main" id="{0980594E-4540-1CEB-7314-A6672745A297}"/>
+                <a16:creationId xmlns:a16="http://schemas.microsoft.com/office/drawing/2014/main" id="{95546C40-61E0-7B69-8C22-024333063229}"/>
               </a:ext>
             </a:extLst>
           </p:cNvPr>
@@ -1730,7 +1730,7 @@
           <p:cNvPr id="6" name="内容占位符 5">
             <a:extLst>
               <a:ext uri="{FF2B5EF4-FFF2-40B4-BE49-F238E27FC236}">
-                <a16:creationId xmlns:a16="http://schemas.microsoft.com/office/drawing/2014/main" id="{4FBF4CC7-EBE4-9D26-4893-99E0476829FF}"/>
+                <a16:creationId xmlns:a16="http://schemas.microsoft.com/office/drawing/2014/main" id="{18EA58A3-4A25-801F-2924-B779081BEF3A}"/>
               </a:ext>
             </a:extLst>
           </p:cNvPr>
@@ -1792,7 +1792,7 @@
           <p:cNvPr id="7" name="日期占位符 6">
             <a:extLst>
               <a:ext uri="{FF2B5EF4-FFF2-40B4-BE49-F238E27FC236}">
-                <a16:creationId xmlns:a16="http://schemas.microsoft.com/office/drawing/2014/main" id="{4697FBDA-EE2D-668A-3CFC-9046DD8EBBBF}"/>
+                <a16:creationId xmlns:a16="http://schemas.microsoft.com/office/drawing/2014/main" id="{879D9680-2C0A-8549-2577-A7C919C4F1C0}"/>
               </a:ext>
             </a:extLst>
           </p:cNvPr>
@@ -1808,7 +1808,7 @@
           <a:bodyPr/>
           <a:lstStyle/>
           <a:p>
-            <a:fld id="{24F814A2-D5C7-4872-AF8C-1DDCBB4536B8}" type="datetimeFigureOut">
+            <a:fld id="{0A5CD06B-FA65-474F-91CF-002156E3A0D9}" type="datetimeFigureOut">
               <a:rPr lang="zh-CN" altLang="en-US" smtClean="0"/>
               <a:t>2024/3/10</a:t>
             </a:fld>
@@ -1821,7 +1821,7 @@
           <p:cNvPr id="8" name="页脚占位符 7">
             <a:extLst>
               <a:ext uri="{FF2B5EF4-FFF2-40B4-BE49-F238E27FC236}">
-                <a16:creationId xmlns:a16="http://schemas.microsoft.com/office/drawing/2014/main" id="{D7118AA2-6179-9010-A3F2-61F030F05A4D}"/>
+                <a16:creationId xmlns:a16="http://schemas.microsoft.com/office/drawing/2014/main" id="{B9A06872-F5A0-F3BC-3053-EB2E432943AA}"/>
               </a:ext>
             </a:extLst>
           </p:cNvPr>
@@ -1846,7 +1846,7 @@
           <p:cNvPr id="9" name="灯片编号占位符 8">
             <a:extLst>
               <a:ext uri="{FF2B5EF4-FFF2-40B4-BE49-F238E27FC236}">
-                <a16:creationId xmlns:a16="http://schemas.microsoft.com/office/drawing/2014/main" id="{D2BDE28F-5F0B-18D8-E8A6-08EE3B8BFE4E}"/>
+                <a16:creationId xmlns:a16="http://schemas.microsoft.com/office/drawing/2014/main" id="{F5467567-BBC1-F952-FC20-245F69538D09}"/>
               </a:ext>
             </a:extLst>
           </p:cNvPr>
@@ -1862,7 +1862,7 @@
           <a:bodyPr/>
           <a:lstStyle/>
           <a:p>
-            <a:fld id="{2045E834-0E7D-4B88-85E7-74D839DC8D8C}" type="slidenum">
+            <a:fld id="{ED93E1AE-A6B1-4983-9C63-58BE1EC19D63}" type="slidenum">
               <a:rPr lang="zh-CN" altLang="en-US" smtClean="0"/>
               <a:t>‹#›</a:t>
             </a:fld>
@@ -1873,7 +1873,7 @@
     </p:spTree>
     <p:extLst>
       <p:ext uri="{BB962C8B-B14F-4D97-AF65-F5344CB8AC3E}">
-        <p14:creationId xmlns:p14="http://schemas.microsoft.com/office/powerpoint/2010/main" val="2838600747"/>
+        <p14:creationId xmlns:p14="http://schemas.microsoft.com/office/powerpoint/2010/main" val="3198365573"/>
       </p:ext>
     </p:extLst>
   </p:cSld>
@@ -1905,7 +1905,7 @@
           <p:cNvPr id="2" name="标题 1">
             <a:extLst>
               <a:ext uri="{FF2B5EF4-FFF2-40B4-BE49-F238E27FC236}">
-                <a16:creationId xmlns:a16="http://schemas.microsoft.com/office/drawing/2014/main" id="{8D7E0D10-5687-29F1-E2A5-3A8EF71F444D}"/>
+                <a16:creationId xmlns:a16="http://schemas.microsoft.com/office/drawing/2014/main" id="{ACFF1C18-09F0-1DCD-3F1B-02FA51775F35}"/>
               </a:ext>
             </a:extLst>
           </p:cNvPr>
@@ -1933,7 +1933,7 @@
           <p:cNvPr id="3" name="日期占位符 2">
             <a:extLst>
               <a:ext uri="{FF2B5EF4-FFF2-40B4-BE49-F238E27FC236}">
-                <a16:creationId xmlns:a16="http://schemas.microsoft.com/office/drawing/2014/main" id="{325116FA-EAC1-EAB5-C16B-CF6B7B9438C2}"/>
+                <a16:creationId xmlns:a16="http://schemas.microsoft.com/office/drawing/2014/main" id="{9691499F-BE40-193B-7F60-4D988A9E321F}"/>
               </a:ext>
             </a:extLst>
           </p:cNvPr>
@@ -1949,7 +1949,7 @@
           <a:bodyPr/>
           <a:lstStyle/>
           <a:p>
-            <a:fld id="{24F814A2-D5C7-4872-AF8C-1DDCBB4536B8}" type="datetimeFigureOut">
+            <a:fld id="{0A5CD06B-FA65-474F-91CF-002156E3A0D9}" type="datetimeFigureOut">
               <a:rPr lang="zh-CN" altLang="en-US" smtClean="0"/>
               <a:t>2024/3/10</a:t>
             </a:fld>
@@ -1962,7 +1962,7 @@
           <p:cNvPr id="4" name="页脚占位符 3">
             <a:extLst>
               <a:ext uri="{FF2B5EF4-FFF2-40B4-BE49-F238E27FC236}">
-                <a16:creationId xmlns:a16="http://schemas.microsoft.com/office/drawing/2014/main" id="{9F4F8A7D-F12C-5720-921A-E349FC93EF94}"/>
+                <a16:creationId xmlns:a16="http://schemas.microsoft.com/office/drawing/2014/main" id="{88239D06-66EA-876F-237E-A0BF22E8F729}"/>
               </a:ext>
             </a:extLst>
           </p:cNvPr>
@@ -1987,7 +1987,7 @@
           <p:cNvPr id="5" name="灯片编号占位符 4">
             <a:extLst>
               <a:ext uri="{FF2B5EF4-FFF2-40B4-BE49-F238E27FC236}">
-                <a16:creationId xmlns:a16="http://schemas.microsoft.com/office/drawing/2014/main" id="{B6B73CFF-4046-20BF-0FFE-CBF07CBC9333}"/>
+                <a16:creationId xmlns:a16="http://schemas.microsoft.com/office/drawing/2014/main" id="{75EF551B-429C-4C40-CD77-3E53E31AF3AF}"/>
               </a:ext>
             </a:extLst>
           </p:cNvPr>
@@ -2003,7 +2003,7 @@
           <a:bodyPr/>
           <a:lstStyle/>
           <a:p>
-            <a:fld id="{2045E834-0E7D-4B88-85E7-74D839DC8D8C}" type="slidenum">
+            <a:fld id="{ED93E1AE-A6B1-4983-9C63-58BE1EC19D63}" type="slidenum">
               <a:rPr lang="zh-CN" altLang="en-US" smtClean="0"/>
               <a:t>‹#›</a:t>
             </a:fld>
@@ -2014,7 +2014,7 @@
     </p:spTree>
     <p:extLst>
       <p:ext uri="{BB962C8B-B14F-4D97-AF65-F5344CB8AC3E}">
-        <p14:creationId xmlns:p14="http://schemas.microsoft.com/office/powerpoint/2010/main" val="3697455148"/>
+        <p14:creationId xmlns:p14="http://schemas.microsoft.com/office/powerpoint/2010/main" val="2271786334"/>
       </p:ext>
     </p:extLst>
   </p:cSld>
@@ -2046,7 +2046,7 @@
           <p:cNvPr id="2" name="日期占位符 1">
             <a:extLst>
               <a:ext uri="{FF2B5EF4-FFF2-40B4-BE49-F238E27FC236}">
-                <a16:creationId xmlns:a16="http://schemas.microsoft.com/office/drawing/2014/main" id="{F83843D1-BF35-BC0F-49AA-669CE08D8FD8}"/>
+                <a16:creationId xmlns:a16="http://schemas.microsoft.com/office/drawing/2014/main" id="{46CFAF7F-3FAC-EFB7-92F7-EE165DBEC6C6}"/>
               </a:ext>
             </a:extLst>
           </p:cNvPr>
@@ -2062,7 +2062,7 @@
           <a:bodyPr/>
           <a:lstStyle/>
           <a:p>
-            <a:fld id="{24F814A2-D5C7-4872-AF8C-1DDCBB4536B8}" type="datetimeFigureOut">
+            <a:fld id="{0A5CD06B-FA65-474F-91CF-002156E3A0D9}" type="datetimeFigureOut">
               <a:rPr lang="zh-CN" altLang="en-US" smtClean="0"/>
               <a:t>2024/3/10</a:t>
             </a:fld>
@@ -2075,7 +2075,7 @@
           <p:cNvPr id="3" name="页脚占位符 2">
             <a:extLst>
               <a:ext uri="{FF2B5EF4-FFF2-40B4-BE49-F238E27FC236}">
-                <a16:creationId xmlns:a16="http://schemas.microsoft.com/office/drawing/2014/main" id="{30B495E6-8238-BB01-C0B4-AEFF7AE0C2EA}"/>
+                <a16:creationId xmlns:a16="http://schemas.microsoft.com/office/drawing/2014/main" id="{AF6A7C93-77F2-B882-2A47-681BE8DA6361}"/>
               </a:ext>
             </a:extLst>
           </p:cNvPr>
@@ -2100,7 +2100,7 @@
           <p:cNvPr id="4" name="灯片编号占位符 3">
             <a:extLst>
               <a:ext uri="{FF2B5EF4-FFF2-40B4-BE49-F238E27FC236}">
-                <a16:creationId xmlns:a16="http://schemas.microsoft.com/office/drawing/2014/main" id="{4B576974-A32D-E74D-F137-259334674A7C}"/>
+                <a16:creationId xmlns:a16="http://schemas.microsoft.com/office/drawing/2014/main" id="{43AAA04F-A63A-45C0-6514-1C89C72EC7FD}"/>
               </a:ext>
             </a:extLst>
           </p:cNvPr>
@@ -2116,7 +2116,7 @@
           <a:bodyPr/>
           <a:lstStyle/>
           <a:p>
-            <a:fld id="{2045E834-0E7D-4B88-85E7-74D839DC8D8C}" type="slidenum">
+            <a:fld id="{ED93E1AE-A6B1-4983-9C63-58BE1EC19D63}" type="slidenum">
               <a:rPr lang="zh-CN" altLang="en-US" smtClean="0"/>
               <a:t>‹#›</a:t>
             </a:fld>
@@ -2127,7 +2127,7 @@
     </p:spTree>
     <p:extLst>
       <p:ext uri="{BB962C8B-B14F-4D97-AF65-F5344CB8AC3E}">
-        <p14:creationId xmlns:p14="http://schemas.microsoft.com/office/powerpoint/2010/main" val="329487183"/>
+        <p14:creationId xmlns:p14="http://schemas.microsoft.com/office/powerpoint/2010/main" val="1388644630"/>
       </p:ext>
     </p:extLst>
   </p:cSld>
@@ -2159,7 +2159,7 @@
           <p:cNvPr id="2" name="标题 1">
             <a:extLst>
               <a:ext uri="{FF2B5EF4-FFF2-40B4-BE49-F238E27FC236}">
-                <a16:creationId xmlns:a16="http://schemas.microsoft.com/office/drawing/2014/main" id="{4BCF8EF1-E917-835F-535B-13170887620C}"/>
+                <a16:creationId xmlns:a16="http://schemas.microsoft.com/office/drawing/2014/main" id="{FC66F3B9-60F0-4F43-F944-8717630773B5}"/>
               </a:ext>
             </a:extLst>
           </p:cNvPr>
@@ -2196,7 +2196,7 @@
           <p:cNvPr id="3" name="内容占位符 2">
             <a:extLst>
               <a:ext uri="{FF2B5EF4-FFF2-40B4-BE49-F238E27FC236}">
-                <a16:creationId xmlns:a16="http://schemas.microsoft.com/office/drawing/2014/main" id="{1747039C-B523-CBEC-8D1F-4E74328DA81C}"/>
+                <a16:creationId xmlns:a16="http://schemas.microsoft.com/office/drawing/2014/main" id="{9A2102BF-DFF4-0AE1-665F-C693164377EF}"/>
               </a:ext>
             </a:extLst>
           </p:cNvPr>
@@ -2286,7 +2286,7 @@
           <p:cNvPr id="4" name="文本占位符 3">
             <a:extLst>
               <a:ext uri="{FF2B5EF4-FFF2-40B4-BE49-F238E27FC236}">
-                <a16:creationId xmlns:a16="http://schemas.microsoft.com/office/drawing/2014/main" id="{A4874093-2BF7-9615-4E8C-434867CED5ED}"/>
+                <a16:creationId xmlns:a16="http://schemas.microsoft.com/office/drawing/2014/main" id="{2B0655ED-A7B0-5297-67C8-A8DF786E4E53}"/>
               </a:ext>
             </a:extLst>
           </p:cNvPr>
@@ -2357,7 +2357,7 @@
           <p:cNvPr id="5" name="日期占位符 4">
             <a:extLst>
               <a:ext uri="{FF2B5EF4-FFF2-40B4-BE49-F238E27FC236}">
-                <a16:creationId xmlns:a16="http://schemas.microsoft.com/office/drawing/2014/main" id="{46C6901F-3D36-B024-43A7-E64AF456EAF3}"/>
+                <a16:creationId xmlns:a16="http://schemas.microsoft.com/office/drawing/2014/main" id="{ACB1339C-EE62-1D6C-34E4-D0FDC72EEAA2}"/>
               </a:ext>
             </a:extLst>
           </p:cNvPr>
@@ -2373,7 +2373,7 @@
           <a:bodyPr/>
           <a:lstStyle/>
           <a:p>
-            <a:fld id="{24F814A2-D5C7-4872-AF8C-1DDCBB4536B8}" type="datetimeFigureOut">
+            <a:fld id="{0A5CD06B-FA65-474F-91CF-002156E3A0D9}" type="datetimeFigureOut">
               <a:rPr lang="zh-CN" altLang="en-US" smtClean="0"/>
               <a:t>2024/3/10</a:t>
             </a:fld>
@@ -2386,7 +2386,7 @@
           <p:cNvPr id="6" name="页脚占位符 5">
             <a:extLst>
               <a:ext uri="{FF2B5EF4-FFF2-40B4-BE49-F238E27FC236}">
-                <a16:creationId xmlns:a16="http://schemas.microsoft.com/office/drawing/2014/main" id="{35EDD035-E465-FFE5-71E0-6A7D0DD4AE60}"/>
+                <a16:creationId xmlns:a16="http://schemas.microsoft.com/office/drawing/2014/main" id="{D5EB0153-1349-4A3A-AF6C-D050C7EEB051}"/>
               </a:ext>
             </a:extLst>
           </p:cNvPr>
@@ -2411,7 +2411,7 @@
           <p:cNvPr id="7" name="灯片编号占位符 6">
             <a:extLst>
               <a:ext uri="{FF2B5EF4-FFF2-40B4-BE49-F238E27FC236}">
-                <a16:creationId xmlns:a16="http://schemas.microsoft.com/office/drawing/2014/main" id="{BEC2F288-0372-7A17-23BB-7355BC9E652C}"/>
+                <a16:creationId xmlns:a16="http://schemas.microsoft.com/office/drawing/2014/main" id="{3E66F13D-7658-BC94-D6DE-E90B2A5CB8D7}"/>
               </a:ext>
             </a:extLst>
           </p:cNvPr>
@@ -2427,7 +2427,7 @@
           <a:bodyPr/>
           <a:lstStyle/>
           <a:p>
-            <a:fld id="{2045E834-0E7D-4B88-85E7-74D839DC8D8C}" type="slidenum">
+            <a:fld id="{ED93E1AE-A6B1-4983-9C63-58BE1EC19D63}" type="slidenum">
               <a:rPr lang="zh-CN" altLang="en-US" smtClean="0"/>
               <a:t>‹#›</a:t>
             </a:fld>
@@ -2438,7 +2438,7 @@
     </p:spTree>
     <p:extLst>
       <p:ext uri="{BB962C8B-B14F-4D97-AF65-F5344CB8AC3E}">
-        <p14:creationId xmlns:p14="http://schemas.microsoft.com/office/powerpoint/2010/main" val="163292749"/>
+        <p14:creationId xmlns:p14="http://schemas.microsoft.com/office/powerpoint/2010/main" val="2097902808"/>
       </p:ext>
     </p:extLst>
   </p:cSld>
@@ -2470,7 +2470,7 @@
           <p:cNvPr id="2" name="标题 1">
             <a:extLst>
               <a:ext uri="{FF2B5EF4-FFF2-40B4-BE49-F238E27FC236}">
-                <a16:creationId xmlns:a16="http://schemas.microsoft.com/office/drawing/2014/main" id="{399B6CD0-3777-0691-93AE-9085EACC010E}"/>
+                <a16:creationId xmlns:a16="http://schemas.microsoft.com/office/drawing/2014/main" id="{93B4D5D9-A0B8-077E-F267-76B8723A0CD4}"/>
               </a:ext>
             </a:extLst>
           </p:cNvPr>
@@ -2507,7 +2507,7 @@
           <p:cNvPr id="3" name="图片占位符 2">
             <a:extLst>
               <a:ext uri="{FF2B5EF4-FFF2-40B4-BE49-F238E27FC236}">
-                <a16:creationId xmlns:a16="http://schemas.microsoft.com/office/drawing/2014/main" id="{253CB646-DAB3-F033-917D-62A7C94484F8}"/>
+                <a16:creationId xmlns:a16="http://schemas.microsoft.com/office/drawing/2014/main" id="{D26E9A15-244A-8F9C-7A3C-B4467BC52179}"/>
               </a:ext>
             </a:extLst>
           </p:cNvPr>
@@ -2574,7 +2574,7 @@
           <p:cNvPr id="4" name="文本占位符 3">
             <a:extLst>
               <a:ext uri="{FF2B5EF4-FFF2-40B4-BE49-F238E27FC236}">
-                <a16:creationId xmlns:a16="http://schemas.microsoft.com/office/drawing/2014/main" id="{87F9FF0E-1840-F1C0-6CAF-99F89C7E5CC3}"/>
+                <a16:creationId xmlns:a16="http://schemas.microsoft.com/office/drawing/2014/main" id="{E59862FB-03E2-8F2C-D1C1-72A6F0B1FB12}"/>
               </a:ext>
             </a:extLst>
           </p:cNvPr>
@@ -2645,7 +2645,7 @@
           <p:cNvPr id="5" name="日期占位符 4">
             <a:extLst>
               <a:ext uri="{FF2B5EF4-FFF2-40B4-BE49-F238E27FC236}">
-                <a16:creationId xmlns:a16="http://schemas.microsoft.com/office/drawing/2014/main" id="{48D27762-78C5-F55B-9B37-CF77B35E273C}"/>
+                <a16:creationId xmlns:a16="http://schemas.microsoft.com/office/drawing/2014/main" id="{A9FD4251-0DE8-0AFB-366B-7A4BD5941367}"/>
               </a:ext>
             </a:extLst>
           </p:cNvPr>
@@ -2661,7 +2661,7 @@
           <a:bodyPr/>
           <a:lstStyle/>
           <a:p>
-            <a:fld id="{24F814A2-D5C7-4872-AF8C-1DDCBB4536B8}" type="datetimeFigureOut">
+            <a:fld id="{0A5CD06B-FA65-474F-91CF-002156E3A0D9}" type="datetimeFigureOut">
               <a:rPr lang="zh-CN" altLang="en-US" smtClean="0"/>
               <a:t>2024/3/10</a:t>
             </a:fld>
@@ -2674,7 +2674,7 @@
           <p:cNvPr id="6" name="页脚占位符 5">
             <a:extLst>
               <a:ext uri="{FF2B5EF4-FFF2-40B4-BE49-F238E27FC236}">
-                <a16:creationId xmlns:a16="http://schemas.microsoft.com/office/drawing/2014/main" id="{F7B05C98-C308-7F94-AE96-E7D9E5320543}"/>
+                <a16:creationId xmlns:a16="http://schemas.microsoft.com/office/drawing/2014/main" id="{61E3E83D-762E-B658-B10D-3C8ED2B6C5AE}"/>
               </a:ext>
             </a:extLst>
           </p:cNvPr>
@@ -2699,7 +2699,7 @@
           <p:cNvPr id="7" name="灯片编号占位符 6">
             <a:extLst>
               <a:ext uri="{FF2B5EF4-FFF2-40B4-BE49-F238E27FC236}">
-                <a16:creationId xmlns:a16="http://schemas.microsoft.com/office/drawing/2014/main" id="{C5AE41D6-142B-9C6E-72A5-9632C30EFC07}"/>
+                <a16:creationId xmlns:a16="http://schemas.microsoft.com/office/drawing/2014/main" id="{C01C343D-E2DB-1CAE-93B4-420D460D239D}"/>
               </a:ext>
             </a:extLst>
           </p:cNvPr>
@@ -2715,7 +2715,7 @@
           <a:bodyPr/>
           <a:lstStyle/>
           <a:p>
-            <a:fld id="{2045E834-0E7D-4B88-85E7-74D839DC8D8C}" type="slidenum">
+            <a:fld id="{ED93E1AE-A6B1-4983-9C63-58BE1EC19D63}" type="slidenum">
               <a:rPr lang="zh-CN" altLang="en-US" smtClean="0"/>
               <a:t>‹#›</a:t>
             </a:fld>
@@ -2726,7 +2726,7 @@
     </p:spTree>
     <p:extLst>
       <p:ext uri="{BB962C8B-B14F-4D97-AF65-F5344CB8AC3E}">
-        <p14:creationId xmlns:p14="http://schemas.microsoft.com/office/powerpoint/2010/main" val="4184394254"/>
+        <p14:creationId xmlns:p14="http://schemas.microsoft.com/office/powerpoint/2010/main" val="2735962322"/>
       </p:ext>
     </p:extLst>
   </p:cSld>
@@ -2763,7 +2763,7 @@
           <p:cNvPr id="2" name="标题占位符 1">
             <a:extLst>
               <a:ext uri="{FF2B5EF4-FFF2-40B4-BE49-F238E27FC236}">
-                <a16:creationId xmlns:a16="http://schemas.microsoft.com/office/drawing/2014/main" id="{53E18CFA-86F9-97C6-2FFC-F7B1442D9424}"/>
+                <a16:creationId xmlns:a16="http://schemas.microsoft.com/office/drawing/2014/main" id="{9EBF40B5-6A91-7397-C837-B30601F4AD42}"/>
               </a:ext>
             </a:extLst>
           </p:cNvPr>
@@ -2801,7 +2801,7 @@
           <p:cNvPr id="3" name="文本占位符 2">
             <a:extLst>
               <a:ext uri="{FF2B5EF4-FFF2-40B4-BE49-F238E27FC236}">
-                <a16:creationId xmlns:a16="http://schemas.microsoft.com/office/drawing/2014/main" id="{029B5B80-153E-65D1-4C28-D8DF62FF4175}"/>
+                <a16:creationId xmlns:a16="http://schemas.microsoft.com/office/drawing/2014/main" id="{914DD26E-37EC-63A7-3E80-E34DD3E00DF4}"/>
               </a:ext>
             </a:extLst>
           </p:cNvPr>
@@ -2868,7 +2868,7 @@
           <p:cNvPr id="4" name="日期占位符 3">
             <a:extLst>
               <a:ext uri="{FF2B5EF4-FFF2-40B4-BE49-F238E27FC236}">
-                <a16:creationId xmlns:a16="http://schemas.microsoft.com/office/drawing/2014/main" id="{94447A75-B6E2-4E13-151A-C608035F6C57}"/>
+                <a16:creationId xmlns:a16="http://schemas.microsoft.com/office/drawing/2014/main" id="{BF9A3276-47B8-8AF7-FBD0-BD965C7DCBD8}"/>
               </a:ext>
             </a:extLst>
           </p:cNvPr>
@@ -2902,7 +2902,7 @@
             </a:lvl1pPr>
           </a:lstStyle>
           <a:p>
-            <a:fld id="{24F814A2-D5C7-4872-AF8C-1DDCBB4536B8}" type="datetimeFigureOut">
+            <a:fld id="{0A5CD06B-FA65-474F-91CF-002156E3A0D9}" type="datetimeFigureOut">
               <a:rPr lang="zh-CN" altLang="en-US" smtClean="0"/>
               <a:t>2024/3/10</a:t>
             </a:fld>
@@ -2915,7 +2915,7 @@
           <p:cNvPr id="5" name="页脚占位符 4">
             <a:extLst>
               <a:ext uri="{FF2B5EF4-FFF2-40B4-BE49-F238E27FC236}">
-                <a16:creationId xmlns:a16="http://schemas.microsoft.com/office/drawing/2014/main" id="{C1C8FD9A-1AFF-26D7-524F-CF7CE1DE4B59}"/>
+                <a16:creationId xmlns:a16="http://schemas.microsoft.com/office/drawing/2014/main" id="{141A7142-DD1F-B9C1-34AF-4B5EEE61EC88}"/>
               </a:ext>
             </a:extLst>
           </p:cNvPr>
@@ -2958,7 +2958,7 @@
           <p:cNvPr id="6" name="灯片编号占位符 5">
             <a:extLst>
               <a:ext uri="{FF2B5EF4-FFF2-40B4-BE49-F238E27FC236}">
-                <a16:creationId xmlns:a16="http://schemas.microsoft.com/office/drawing/2014/main" id="{F2E651B3-3111-7F6C-D00B-45DB0DFEF430}"/>
+                <a16:creationId xmlns:a16="http://schemas.microsoft.com/office/drawing/2014/main" id="{F75A09E1-013E-F4B5-8CDF-BFE00B21E905}"/>
               </a:ext>
             </a:extLst>
           </p:cNvPr>
@@ -2992,7 +2992,7 @@
             </a:lvl1pPr>
           </a:lstStyle>
           <a:p>
-            <a:fld id="{2045E834-0E7D-4B88-85E7-74D839DC8D8C}" type="slidenum">
+            <a:fld id="{ED93E1AE-A6B1-4983-9C63-58BE1EC19D63}" type="slidenum">
               <a:rPr lang="zh-CN" altLang="en-US" smtClean="0"/>
               <a:t>‹#›</a:t>
             </a:fld>
@@ -3003,7 +3003,7 @@
     </p:spTree>
     <p:extLst>
       <p:ext uri="{BB962C8B-B14F-4D97-AF65-F5344CB8AC3E}">
-        <p14:creationId xmlns:p14="http://schemas.microsoft.com/office/powerpoint/2010/main" val="131244067"/>
+        <p14:creationId xmlns:p14="http://schemas.microsoft.com/office/powerpoint/2010/main" val="1309450412"/>
       </p:ext>
     </p:extLst>
   </p:cSld>
